--- a/Powerpoints/mp1_part_2_powerpoint.pptx
+++ b/Powerpoints/mp1_part_2_powerpoint.pptx
@@ -271,7 +271,7 @@
           <a:p>
             <a:fld id="{3E188059-9AAA-48DC-89EE-5FBEEAFD7015}" type="datetimeFigureOut">
               <a:rPr lang="en-US" smtClean="0"/>
-              <a:t>10/3/2024</a:t>
+              <a:t>10/3/24</a:t>
             </a:fld>
             <a:endParaRPr lang="en-US"/>
           </a:p>
@@ -469,7 +469,7 @@
           <a:p>
             <a:fld id="{3E188059-9AAA-48DC-89EE-5FBEEAFD7015}" type="datetimeFigureOut">
               <a:rPr lang="en-US" smtClean="0"/>
-              <a:t>10/3/2024</a:t>
+              <a:t>10/3/24</a:t>
             </a:fld>
             <a:endParaRPr lang="en-US"/>
           </a:p>
@@ -677,7 +677,7 @@
           <a:p>
             <a:fld id="{3E188059-9AAA-48DC-89EE-5FBEEAFD7015}" type="datetimeFigureOut">
               <a:rPr lang="en-US" smtClean="0"/>
-              <a:t>10/3/2024</a:t>
+              <a:t>10/3/24</a:t>
             </a:fld>
             <a:endParaRPr lang="en-US"/>
           </a:p>
@@ -875,7 +875,7 @@
           <a:p>
             <a:fld id="{3E188059-9AAA-48DC-89EE-5FBEEAFD7015}" type="datetimeFigureOut">
               <a:rPr lang="en-US" smtClean="0"/>
-              <a:t>10/3/2024</a:t>
+              <a:t>10/3/24</a:t>
             </a:fld>
             <a:endParaRPr lang="en-US"/>
           </a:p>
@@ -1150,7 +1150,7 @@
           <a:p>
             <a:fld id="{3E188059-9AAA-48DC-89EE-5FBEEAFD7015}" type="datetimeFigureOut">
               <a:rPr lang="en-US" smtClean="0"/>
-              <a:t>10/3/2024</a:t>
+              <a:t>10/3/24</a:t>
             </a:fld>
             <a:endParaRPr lang="en-US"/>
           </a:p>
@@ -1415,7 +1415,7 @@
           <a:p>
             <a:fld id="{3E188059-9AAA-48DC-89EE-5FBEEAFD7015}" type="datetimeFigureOut">
               <a:rPr lang="en-US" smtClean="0"/>
-              <a:t>10/3/2024</a:t>
+              <a:t>10/3/24</a:t>
             </a:fld>
             <a:endParaRPr lang="en-US"/>
           </a:p>
@@ -1827,7 +1827,7 @@
           <a:p>
             <a:fld id="{3E188059-9AAA-48DC-89EE-5FBEEAFD7015}" type="datetimeFigureOut">
               <a:rPr lang="en-US" smtClean="0"/>
-              <a:t>10/3/2024</a:t>
+              <a:t>10/3/24</a:t>
             </a:fld>
             <a:endParaRPr lang="en-US"/>
           </a:p>
@@ -1968,7 +1968,7 @@
           <a:p>
             <a:fld id="{3E188059-9AAA-48DC-89EE-5FBEEAFD7015}" type="datetimeFigureOut">
               <a:rPr lang="en-US" smtClean="0"/>
-              <a:t>10/3/2024</a:t>
+              <a:t>10/3/24</a:t>
             </a:fld>
             <a:endParaRPr lang="en-US"/>
           </a:p>
@@ -2081,7 +2081,7 @@
           <a:p>
             <a:fld id="{3E188059-9AAA-48DC-89EE-5FBEEAFD7015}" type="datetimeFigureOut">
               <a:rPr lang="en-US" smtClean="0"/>
-              <a:t>10/3/2024</a:t>
+              <a:t>10/3/24</a:t>
             </a:fld>
             <a:endParaRPr lang="en-US"/>
           </a:p>
@@ -2392,7 +2392,7 @@
           <a:p>
             <a:fld id="{3E188059-9AAA-48DC-89EE-5FBEEAFD7015}" type="datetimeFigureOut">
               <a:rPr lang="en-US" smtClean="0"/>
-              <a:t>10/3/2024</a:t>
+              <a:t>10/3/24</a:t>
             </a:fld>
             <a:endParaRPr lang="en-US"/>
           </a:p>
@@ -2680,7 +2680,7 @@
           <a:p>
             <a:fld id="{3E188059-9AAA-48DC-89EE-5FBEEAFD7015}" type="datetimeFigureOut">
               <a:rPr lang="en-US" smtClean="0"/>
-              <a:t>10/3/2024</a:t>
+              <a:t>10/3/24</a:t>
             </a:fld>
             <a:endParaRPr lang="en-US"/>
           </a:p>
@@ -2921,7 +2921,7 @@
           <a:p>
             <a:fld id="{3E188059-9AAA-48DC-89EE-5FBEEAFD7015}" type="datetimeFigureOut">
               <a:rPr lang="en-US" smtClean="0"/>
-              <a:t>10/3/2024</a:t>
+              <a:t>10/3/24</a:t>
             </a:fld>
             <a:endParaRPr lang="en-US"/>
           </a:p>
@@ -3617,7 +3617,13 @@
                   <a:rPr lang="en-US" sz="1600" dirty="0">
                     <a:latin typeface="Arial" panose="020B0604020202020204" pitchFamily="34" charset="0"/>
                   </a:rPr>
-                  <a:t>Posterior probability (Slow, Software Froze, Cloudy): 0.0535</a:t>
+                  <a:t>Posterior probability (Slow, Software Froze, Cloudy): </a:t>
+                </a:r>
+                <a:r>
+                  <a:rPr lang="en-US" sz="1600" b="1" dirty="0">
+                    <a:latin typeface="Arial" panose="020B0604020202020204" pitchFamily="34" charset="0"/>
+                  </a:rPr>
+                  <a:t>0.0535</a:t>
                 </a:r>
               </a:p>
               <a:p>
@@ -3672,7 +3678,13 @@
                   <a:rPr lang="en-US" sz="1600" dirty="0">
                     <a:latin typeface="Arial" panose="020B0604020202020204" pitchFamily="34" charset="0"/>
                   </a:rPr>
-                  <a:t>Posterior probability (Slow, Software Froze, Clear): 0.243</a:t>
+                  <a:t>Posterior probability (Slow, Software Froze, Clear): </a:t>
+                </a:r>
+                <a:r>
+                  <a:rPr lang="en-US" sz="1600" b="1" dirty="0">
+                    <a:latin typeface="Arial" panose="020B0604020202020204" pitchFamily="34" charset="0"/>
+                  </a:rPr>
+                  <a:t>0.243</a:t>
                 </a:r>
               </a:p>
               <a:p>
@@ -3717,7 +3729,31 @@
                       <a:rPr lang="en-US" sz="1600" i="1" dirty="0" smtClean="0">
                         <a:latin typeface="Cambria Math" panose="02040503050406030204" pitchFamily="18" charset="0"/>
                       </a:rPr>
-                      <m:t> 4.55 </m:t>
+                      <m:t> </m:t>
+                    </m:r>
+                    <m:r>
+                      <a:rPr lang="en-US" sz="1600" b="1" i="1" dirty="0" smtClean="0">
+                        <a:latin typeface="Cambria Math" panose="02040503050406030204" pitchFamily="18" charset="0"/>
+                      </a:rPr>
+                      <m:t>𝟒</m:t>
+                    </m:r>
+                    <m:r>
+                      <a:rPr lang="en-US" sz="1600" b="1" i="1" dirty="0" smtClean="0">
+                        <a:latin typeface="Cambria Math" panose="02040503050406030204" pitchFamily="18" charset="0"/>
+                      </a:rPr>
+                      <m:t>.</m:t>
+                    </m:r>
+                    <m:r>
+                      <a:rPr lang="en-US" sz="1600" b="1" i="1" dirty="0" smtClean="0">
+                        <a:latin typeface="Cambria Math" panose="02040503050406030204" pitchFamily="18" charset="0"/>
+                      </a:rPr>
+                      <m:t>𝟓𝟓</m:t>
+                    </m:r>
+                    <m:r>
+                      <a:rPr lang="en-US" sz="1600" i="1" dirty="0" smtClean="0">
+                        <a:latin typeface="Cambria Math" panose="02040503050406030204" pitchFamily="18" charset="0"/>
+                      </a:rPr>
+                      <m:t> </m:t>
                     </m:r>
                   </m:oMath>
                 </a14:m>
@@ -3772,7 +3808,7 @@
               <a:blipFill>
                 <a:blip r:embed="rId2"/>
                 <a:stretch>
-                  <a:fillRect l="-284" t="-463" r="-284" b="-579"/>
+                  <a:fillRect l="-355" t="-482" r="-355" b="-723"/>
                 </a:stretch>
               </a:blipFill>
             </p:spPr>
@@ -4128,6 +4164,42 @@
           </a:p>
         </p:txBody>
       </p:sp>
+      <p:pic>
+        <p:nvPicPr>
+          <p:cNvPr id="4" name="Picture 3" descr="A diagram of a diagram&#10;&#10;Description automatically generated">
+            <a:extLst>
+              <a:ext uri="{FF2B5EF4-FFF2-40B4-BE49-F238E27FC236}">
+                <a16:creationId xmlns:a16="http://schemas.microsoft.com/office/drawing/2014/main" id="{3F34BC12-7335-1E78-9EA5-1197D7E641D7}"/>
+              </a:ext>
+            </a:extLst>
+          </p:cNvPr>
+          <p:cNvPicPr>
+            <a:picLocks noChangeAspect="1"/>
+          </p:cNvPicPr>
+          <p:nvPr/>
+        </p:nvPicPr>
+        <p:blipFill>
+          <a:blip r:embed="rId2">
+            <a:extLst>
+              <a:ext uri="{28A0092B-C50C-407E-A947-70E740481C1C}">
+                <a14:useLocalDpi xmlns:a14="http://schemas.microsoft.com/office/drawing/2010/main" val="0"/>
+              </a:ext>
+            </a:extLst>
+          </a:blip>
+          <a:stretch>
+            <a:fillRect/>
+          </a:stretch>
+        </p:blipFill>
+        <p:spPr>
+          <a:xfrm>
+            <a:off x="4279318" y="3159277"/>
+            <a:ext cx="3189149" cy="3328334"/>
+          </a:xfrm>
+          <a:prstGeom prst="rect">
+            <a:avLst/>
+          </a:prstGeom>
+        </p:spPr>
+      </p:pic>
     </p:spTree>
     <p:extLst>
       <p:ext uri="{BB962C8B-B14F-4D97-AF65-F5344CB8AC3E}">
@@ -4388,13 +4460,13 @@
                   <a:buNone/>
                 </a:pPr>
                 <a:br>
-                  <a:rPr lang="en-US" sz="1800" dirty="0">
+                  <a:rPr lang="en-US" sz="1800" b="1" dirty="0">
                     <a:latin typeface="Arial" panose="020B0604020202020204" pitchFamily="34" charset="0"/>
                     <a:cs typeface="Arial" panose="020B0604020202020204" pitchFamily="34" charset="0"/>
                   </a:rPr>
                 </a:br>
                 <a:r>
-                  <a:rPr lang="en-US" sz="1800" dirty="0">
+                  <a:rPr lang="en-US" sz="1800" b="1" dirty="0">
                     <a:latin typeface="Arial" panose="020B0604020202020204" pitchFamily="34" charset="0"/>
                     <a:cs typeface="Arial" panose="020B0604020202020204" pitchFamily="34" charset="0"/>
                   </a:rPr>
@@ -4453,7 +4525,7 @@
               <a:blipFill>
                 <a:blip r:embed="rId2"/>
                 <a:stretch>
-                  <a:fillRect l="-406" t="-1923" r="-290"/>
+                  <a:fillRect l="-483" t="-1746" r="-241"/>
                 </a:stretch>
               </a:blipFill>
             </p:spPr>
@@ -4517,7 +4589,7 @@
         <p:spPr>
           <a:xfrm>
             <a:off x="513729" y="1095875"/>
-            <a:ext cx="10720328" cy="5078313"/>
+            <a:ext cx="10720328" cy="5632311"/>
           </a:xfrm>
           <a:prstGeom prst="rect">
             <a:avLst/>
@@ -4679,6 +4751,35 @@
                 <a:spcPts val="0"/>
               </a:spcAft>
             </a:pPr>
+            <a:endParaRPr lang="en-US" sz="1800" dirty="0">
+              <a:effectLst/>
+              <a:latin typeface="Arial" panose="020B0604020202020204" pitchFamily="34" charset="0"/>
+              <a:ea typeface="Arial" panose="020B0604020202020204" pitchFamily="34" charset="0"/>
+            </a:endParaRPr>
+          </a:p>
+          <a:p>
+            <a:pPr algn="just" rtl="0" fontAlgn="base">
+              <a:spcBef>
+                <a:spcPts val="0"/>
+              </a:spcBef>
+              <a:spcAft>
+                <a:spcPts val="0"/>
+              </a:spcAft>
+            </a:pPr>
+            <a:endParaRPr lang="en-US" dirty="0">
+              <a:latin typeface="Arial" panose="020B0604020202020204" pitchFamily="34" charset="0"/>
+              <a:ea typeface="Arial" panose="020B0604020202020204" pitchFamily="34" charset="0"/>
+            </a:endParaRPr>
+          </a:p>
+          <a:p>
+            <a:pPr algn="just" rtl="0" fontAlgn="base">
+              <a:spcBef>
+                <a:spcPts val="0"/>
+              </a:spcBef>
+              <a:spcAft>
+                <a:spcPts val="0"/>
+              </a:spcAft>
+            </a:pPr>
             <a:r>
               <a:rPr lang="en-US" sz="1800" dirty="0">
                 <a:effectLst/>
@@ -4751,7 +4852,13 @@
               <a:rPr lang="en-US" dirty="0">
                 <a:latin typeface="Arial" panose="020B0604020202020204" pitchFamily="34" charset="0"/>
               </a:rPr>
-              <a:t>Other: 0.726</a:t>
+              <a:t>Other: </a:t>
+            </a:r>
+            <a:r>
+              <a:rPr lang="en-US" b="1" dirty="0">
+                <a:latin typeface="Arial" panose="020B0604020202020204" pitchFamily="34" charset="0"/>
+              </a:rPr>
+              <a:t>0.726</a:t>
             </a:r>
           </a:p>
           <a:p>
@@ -4764,7 +4871,19 @@
               <a:rPr lang="en-US" dirty="0">
                 <a:latin typeface="Arial" panose="020B0604020202020204" pitchFamily="34" charset="0"/>
               </a:rPr>
-              <a:t>Therefore “Other” root cause is most probable given Weather was cloudy and the Location was urban-street</a:t>
+              <a:t>Therefore </a:t>
+            </a:r>
+            <a:r>
+              <a:rPr lang="en-US" b="1" dirty="0">
+                <a:latin typeface="Arial" panose="020B0604020202020204" pitchFamily="34" charset="0"/>
+              </a:rPr>
+              <a:t>“Other” </a:t>
+            </a:r>
+            <a:r>
+              <a:rPr lang="en-US" dirty="0">
+                <a:latin typeface="Arial" panose="020B0604020202020204" pitchFamily="34" charset="0"/>
+              </a:rPr>
+              <a:t>root cause is most probable given Weather was cloudy and the Location was urban-street</a:t>
             </a:r>
           </a:p>
         </p:txBody>
@@ -4802,6 +4921,114 @@
           </a:p>
         </p:txBody>
       </p:sp>
+      <p:pic>
+        <p:nvPicPr>
+          <p:cNvPr id="4" name="Picture 3" descr="A screenshot of a computer&#10;&#10;Description automatically generated">
+            <a:extLst>
+              <a:ext uri="{FF2B5EF4-FFF2-40B4-BE49-F238E27FC236}">
+                <a16:creationId xmlns:a16="http://schemas.microsoft.com/office/drawing/2014/main" id="{63A2300E-DB48-C02D-4681-97FD0FE25166}"/>
+              </a:ext>
+            </a:extLst>
+          </p:cNvPr>
+          <p:cNvPicPr>
+            <a:picLocks noChangeAspect="1"/>
+          </p:cNvPicPr>
+          <p:nvPr/>
+        </p:nvPicPr>
+        <p:blipFill>
+          <a:blip r:embed="rId2">
+            <a:extLst>
+              <a:ext uri="{28A0092B-C50C-407E-A947-70E740481C1C}">
+                <a14:useLocalDpi xmlns:a14="http://schemas.microsoft.com/office/drawing/2010/main" val="0"/>
+              </a:ext>
+            </a:extLst>
+          </a:blip>
+          <a:stretch>
+            <a:fillRect/>
+          </a:stretch>
+        </p:blipFill>
+        <p:spPr>
+          <a:xfrm>
+            <a:off x="2493023" y="2309467"/>
+            <a:ext cx="1940768" cy="1231001"/>
+          </a:xfrm>
+          <a:prstGeom prst="rect">
+            <a:avLst/>
+          </a:prstGeom>
+        </p:spPr>
+      </p:pic>
+      <p:pic>
+        <p:nvPicPr>
+          <p:cNvPr id="7" name="Picture 6" descr="A screenshot of a computer&#10;&#10;Description automatically generated">
+            <a:extLst>
+              <a:ext uri="{FF2B5EF4-FFF2-40B4-BE49-F238E27FC236}">
+                <a16:creationId xmlns:a16="http://schemas.microsoft.com/office/drawing/2014/main" id="{5C0A648B-A4EC-2B49-6EC9-EDC24149FA94}"/>
+              </a:ext>
+            </a:extLst>
+          </p:cNvPr>
+          <p:cNvPicPr>
+            <a:picLocks noChangeAspect="1"/>
+          </p:cNvPicPr>
+          <p:nvPr/>
+        </p:nvPicPr>
+        <p:blipFill>
+          <a:blip r:embed="rId3">
+            <a:extLst>
+              <a:ext uri="{28A0092B-C50C-407E-A947-70E740481C1C}">
+                <a14:useLocalDpi xmlns:a14="http://schemas.microsoft.com/office/drawing/2010/main" val="0"/>
+              </a:ext>
+            </a:extLst>
+          </a:blip>
+          <a:stretch>
+            <a:fillRect/>
+          </a:stretch>
+        </p:blipFill>
+        <p:spPr>
+          <a:xfrm>
+            <a:off x="4716786" y="2309467"/>
+            <a:ext cx="2314213" cy="1803042"/>
+          </a:xfrm>
+          <a:prstGeom prst="rect">
+            <a:avLst/>
+          </a:prstGeom>
+        </p:spPr>
+      </p:pic>
+      <p:pic>
+        <p:nvPicPr>
+          <p:cNvPr id="9" name="Picture 8" descr="A screenshot of a computer&#10;&#10;Description automatically generated">
+            <a:extLst>
+              <a:ext uri="{FF2B5EF4-FFF2-40B4-BE49-F238E27FC236}">
+                <a16:creationId xmlns:a16="http://schemas.microsoft.com/office/drawing/2014/main" id="{EB4E3360-6545-6907-FBE9-D36A919D5729}"/>
+              </a:ext>
+            </a:extLst>
+          </p:cNvPr>
+          <p:cNvPicPr>
+            <a:picLocks noChangeAspect="1"/>
+          </p:cNvPicPr>
+          <p:nvPr/>
+        </p:nvPicPr>
+        <p:blipFill>
+          <a:blip r:embed="rId4">
+            <a:extLst>
+              <a:ext uri="{28A0092B-C50C-407E-A947-70E740481C1C}">
+                <a14:useLocalDpi xmlns:a14="http://schemas.microsoft.com/office/drawing/2010/main" val="0"/>
+              </a:ext>
+            </a:extLst>
+          </a:blip>
+          <a:stretch>
+            <a:fillRect/>
+          </a:stretch>
+        </p:blipFill>
+        <p:spPr>
+          <a:xfrm>
+            <a:off x="7313994" y="2293787"/>
+            <a:ext cx="2536062" cy="1811473"/>
+          </a:xfrm>
+          <a:prstGeom prst="rect">
+            <a:avLst/>
+          </a:prstGeom>
+        </p:spPr>
+      </p:pic>
     </p:spTree>
     <p:extLst>
       <p:ext uri="{BB962C8B-B14F-4D97-AF65-F5344CB8AC3E}">
@@ -4979,7 +5206,13 @@
               <a:rPr lang="en-US" dirty="0">
                 <a:latin typeface="Arial" panose="020B0604020202020204" pitchFamily="34" charset="0"/>
               </a:rPr>
-              <a:t>Probability of Disengagement Per Mile: 0.00203</a:t>
+              <a:t>Probability of Disengagement Per Mile: </a:t>
+            </a:r>
+            <a:r>
+              <a:rPr lang="en-US" b="1" dirty="0">
+                <a:latin typeface="Arial" panose="020B0604020202020204" pitchFamily="34" charset="0"/>
+              </a:rPr>
+              <a:t>0.00203</a:t>
             </a:r>
           </a:p>
           <a:p>
@@ -5014,9 +5247,15 @@
               <a:rPr lang="en-US" dirty="0">
                 <a:latin typeface="Arial" panose="020B0604020202020204" pitchFamily="34" charset="0"/>
               </a:rPr>
-              <a:t>Probability of Disengagement Per Mile on a Cloudy Day: 0.00590</a:t>
-            </a:r>
-            <a:endParaRPr lang="en-US" dirty="0">
+              <a:t>Probability of Disengagement Per Mile on a Cloudy Day: </a:t>
+            </a:r>
+            <a:r>
+              <a:rPr lang="en-US" b="1" dirty="0">
+                <a:latin typeface="Arial" panose="020B0604020202020204" pitchFamily="34" charset="0"/>
+              </a:rPr>
+              <a:t>0.00590</a:t>
+            </a:r>
+            <a:endParaRPr lang="en-US" b="1" dirty="0">
               <a:latin typeface="Arial" panose="020B0604020202020204" pitchFamily="34" charset="0"/>
               <a:ea typeface="Arial" panose="020B0604020202020204" pitchFamily="34" charset="0"/>
             </a:endParaRPr>
@@ -5100,7 +5339,13 @@
               <a:rPr lang="en-US" dirty="0">
                 <a:latin typeface="Arial" panose="020B0604020202020204" pitchFamily="34" charset="0"/>
               </a:rPr>
-              <a:t>Probability of Disengagement Per Mile on a Clear Day: 0.000520</a:t>
+              <a:t>Probability of Disengagement Per Mile on a Clear Day: </a:t>
+            </a:r>
+            <a:r>
+              <a:rPr lang="en-US" b="1" dirty="0">
+                <a:latin typeface="Arial" panose="020B0604020202020204" pitchFamily="34" charset="0"/>
+              </a:rPr>
+              <a:t>0.000520</a:t>
             </a:r>
           </a:p>
           <a:p>
@@ -5309,7 +5554,13 @@
               <a:rPr lang="en-US" dirty="0">
                 <a:latin typeface="Arial" panose="020B0604020202020204" pitchFamily="34" charset="0"/>
               </a:rPr>
-              <a:t>Probability of Automatic Disengagement Per Mile: 0.000976</a:t>
+              <a:t>Probability of Automatic Disengagement Per Mile: </a:t>
+            </a:r>
+            <a:r>
+              <a:rPr lang="en-US" b="1" dirty="0">
+                <a:latin typeface="Arial" panose="020B0604020202020204" pitchFamily="34" charset="0"/>
+              </a:rPr>
+              <a:t>0.000976</a:t>
             </a:r>
           </a:p>
           <a:p>
@@ -5338,7 +5589,13 @@
               <a:rPr lang="en-US" dirty="0">
                 <a:latin typeface="Arial" panose="020B0604020202020204" pitchFamily="34" charset="0"/>
               </a:rPr>
-              <a:t>Probability of Automatic Disengagement Per Mile on Cloudy Day: 0.00281</a:t>
+              <a:t>Probability of Automatic Disengagement Per Mile on Cloudy Day: </a:t>
+            </a:r>
+            <a:r>
+              <a:rPr lang="en-US" b="1" dirty="0">
+                <a:latin typeface="Arial" panose="020B0604020202020204" pitchFamily="34" charset="0"/>
+              </a:rPr>
+              <a:t>0.00281</a:t>
             </a:r>
           </a:p>
           <a:p>
@@ -5367,9 +5624,15 @@
               <a:rPr lang="en-US" dirty="0">
                 <a:latin typeface="Arial" panose="020B0604020202020204" pitchFamily="34" charset="0"/>
               </a:rPr>
-              <a:t>Probability of Automatic Disengagement Per Mile on Cloudy Day: 0.000264</a:t>
-            </a:r>
-            <a:endParaRPr lang="en-US" dirty="0">
+              <a:t>Probability of Automatic Disengagement Per Mile on Cloudy Day: </a:t>
+            </a:r>
+            <a:r>
+              <a:rPr lang="en-US" b="1" dirty="0">
+                <a:latin typeface="Arial" panose="020B0604020202020204" pitchFamily="34" charset="0"/>
+              </a:rPr>
+              <a:t>0.000264</a:t>
+            </a:r>
+            <a:endParaRPr lang="en-US" b="1" dirty="0">
               <a:latin typeface="Arial" panose="020B0604020202020204" pitchFamily="34" charset="0"/>
               <a:ea typeface="Arial" panose="020B0604020202020204" pitchFamily="34" charset="0"/>
             </a:endParaRPr>
@@ -5451,7 +5714,13 @@
               <a:rPr lang="en-US" dirty="0">
                 <a:latin typeface="Arial" panose="020B0604020202020204" pitchFamily="34" charset="0"/>
               </a:rPr>
-              <a:t>Probability of 100 or more disengagements in 10000 miles = 8.85e-08</a:t>
+              <a:t>Probability of 100 or more disengagements in 10000 miles = </a:t>
+            </a:r>
+            <a:r>
+              <a:rPr lang="en-US" b="1" dirty="0">
+                <a:latin typeface="Arial" panose="020B0604020202020204" pitchFamily="34" charset="0"/>
+              </a:rPr>
+              <a:t>8.85e-08</a:t>
             </a:r>
           </a:p>
           <a:p>
@@ -5559,8 +5828,8 @@
           <a:chExt cx="0" cy="0"/>
         </a:xfrm>
       </p:grpSpPr>
-      <mc:AlternateContent xmlns:mc="http://schemas.openxmlformats.org/markup-compatibility/2006">
-        <mc:Choice xmlns:a14="http://schemas.microsoft.com/office/drawing/2010/main" Requires="a14">
+      <mc:AlternateContent xmlns:mc="http://schemas.openxmlformats.org/markup-compatibility/2006" xmlns:a14="http://schemas.microsoft.com/office/drawing/2010/main">
+        <mc:Choice Requires="a14">
           <p:sp>
             <p:nvSpPr>
               <p:cNvPr id="5" name="TextBox 4">
@@ -5982,7 +6251,7 @@
             </p:txBody>
           </p:sp>
         </mc:Choice>
-        <mc:Fallback>
+        <mc:Fallback xmlns="">
           <p:sp>
             <p:nvSpPr>
               <p:cNvPr id="5" name="TextBox 4">
@@ -6123,8 +6392,8 @@
           </a:p>
         </p:txBody>
       </p:sp>
-      <mc:AlternateContent xmlns:mc="http://schemas.openxmlformats.org/markup-compatibility/2006">
-        <mc:Choice xmlns:a14="http://schemas.microsoft.com/office/drawing/2010/main" Requires="a14">
+      <mc:AlternateContent xmlns:mc="http://schemas.openxmlformats.org/markup-compatibility/2006" xmlns:a14="http://schemas.microsoft.com/office/drawing/2010/main">
+        <mc:Choice Requires="a14">
           <p:sp>
             <p:nvSpPr>
               <p:cNvPr id="3" name="Content Placeholder 2">
@@ -6435,7 +6704,7 @@
             </p:txBody>
           </p:sp>
         </mc:Choice>
-        <mc:Fallback>
+        <mc:Fallback xmlns="">
           <p:sp>
             <p:nvSpPr>
               <p:cNvPr id="3" name="Content Placeholder 2">
@@ -6524,7 +6793,7 @@
         <p:spPr>
           <a:xfrm>
             <a:off x="513729" y="912995"/>
-            <a:ext cx="10720328" cy="3180871"/>
+            <a:ext cx="10720328" cy="6560257"/>
           </a:xfrm>
           <a:prstGeom prst="rect">
             <a:avLst/>
@@ -6608,6 +6877,49 @@
             </a:r>
           </a:p>
           <a:p>
+            <a:pPr marL="342900" indent="-342900" algn="just" rtl="0" fontAlgn="base">
+              <a:spcBef>
+                <a:spcPts val="0"/>
+              </a:spcBef>
+              <a:spcAft>
+                <a:spcPts val="0"/>
+              </a:spcAft>
+              <a:buFont typeface="+mj-lt"/>
+              <a:buAutoNum type="alphaLcParenR" startAt="4"/>
+            </a:pPr>
+            <a:endParaRPr lang="en-US" dirty="0"/>
+          </a:p>
+          <a:p>
+            <a:pPr marL="342900" indent="-342900" algn="just" rtl="0" fontAlgn="base">
+              <a:spcBef>
+                <a:spcPts val="0"/>
+              </a:spcBef>
+              <a:spcAft>
+                <a:spcPts val="0"/>
+              </a:spcAft>
+              <a:buFont typeface="+mj-lt"/>
+              <a:buAutoNum type="alphaLcParenR" startAt="4"/>
+            </a:pPr>
+            <a:endParaRPr lang="en-US" dirty="0">
+              <a:effectLst/>
+            </a:endParaRPr>
+          </a:p>
+          <a:p>
+            <a:pPr marL="342900" indent="-342900" algn="just" rtl="0" fontAlgn="base">
+              <a:spcBef>
+                <a:spcPts val="0"/>
+              </a:spcBef>
+              <a:spcAft>
+                <a:spcPts val="0"/>
+              </a:spcAft>
+              <a:buFont typeface="+mj-lt"/>
+              <a:buAutoNum type="alphaLcParenR" startAt="4"/>
+            </a:pPr>
+            <a:endParaRPr lang="en-US" dirty="0">
+              <a:effectLst/>
+            </a:endParaRPr>
+          </a:p>
+          <a:p>
             <a:pPr marL="342900" marR="0" lvl="0" indent="-342900" algn="just" rtl="0">
               <a:lnSpc>
                 <a:spcPct val="115000"/>
@@ -6627,7 +6939,164 @@
                 <a:latin typeface="Arial" panose="020B0604020202020204" pitchFamily="34" charset="0"/>
                 <a:ea typeface="Arial" panose="020B0604020202020204" pitchFamily="34" charset="0"/>
               </a:rPr>
-              <a:t>x-axis ranging between 0 and 10000.                            2. The x-axis ranging between 0 and 100</a:t>
+              <a:t>x-axis ranging between 0 and 10000.  </a:t>
+            </a:r>
+          </a:p>
+          <a:p>
+            <a:pPr marL="342900" marR="0" lvl="0" indent="-342900" algn="just" rtl="0">
+              <a:lnSpc>
+                <a:spcPct val="115000"/>
+              </a:lnSpc>
+              <a:spcBef>
+                <a:spcPts val="0"/>
+              </a:spcBef>
+              <a:spcAft>
+                <a:spcPts val="0"/>
+              </a:spcAft>
+              <a:buFont typeface="+mj-lt"/>
+              <a:buAutoNum type="arabicPeriod"/>
+            </a:pPr>
+            <a:endParaRPr lang="en-US" dirty="0">
+              <a:latin typeface="Arial" panose="020B0604020202020204" pitchFamily="34" charset="0"/>
+              <a:ea typeface="Arial" panose="020B0604020202020204" pitchFamily="34" charset="0"/>
+            </a:endParaRPr>
+          </a:p>
+          <a:p>
+            <a:pPr marL="342900" marR="0" lvl="0" indent="-342900" algn="just" rtl="0">
+              <a:lnSpc>
+                <a:spcPct val="115000"/>
+              </a:lnSpc>
+              <a:spcBef>
+                <a:spcPts val="0"/>
+              </a:spcBef>
+              <a:spcAft>
+                <a:spcPts val="0"/>
+              </a:spcAft>
+              <a:buFont typeface="+mj-lt"/>
+              <a:buAutoNum type="arabicPeriod"/>
+            </a:pPr>
+            <a:endParaRPr lang="en-US" sz="1800" dirty="0">
+              <a:effectLst/>
+              <a:latin typeface="Arial" panose="020B0604020202020204" pitchFamily="34" charset="0"/>
+              <a:ea typeface="Arial" panose="020B0604020202020204" pitchFamily="34" charset="0"/>
+            </a:endParaRPr>
+          </a:p>
+          <a:p>
+            <a:pPr marL="342900" marR="0" lvl="0" indent="-342900" algn="just" rtl="0">
+              <a:lnSpc>
+                <a:spcPct val="115000"/>
+              </a:lnSpc>
+              <a:spcBef>
+                <a:spcPts val="0"/>
+              </a:spcBef>
+              <a:spcAft>
+                <a:spcPts val="0"/>
+              </a:spcAft>
+              <a:buFont typeface="+mj-lt"/>
+              <a:buAutoNum type="arabicPeriod"/>
+            </a:pPr>
+            <a:endParaRPr lang="en-US" dirty="0">
+              <a:latin typeface="Arial" panose="020B0604020202020204" pitchFamily="34" charset="0"/>
+              <a:ea typeface="Arial" panose="020B0604020202020204" pitchFamily="34" charset="0"/>
+            </a:endParaRPr>
+          </a:p>
+          <a:p>
+            <a:pPr marL="342900" marR="0" lvl="0" indent="-342900" algn="just" rtl="0">
+              <a:lnSpc>
+                <a:spcPct val="115000"/>
+              </a:lnSpc>
+              <a:spcBef>
+                <a:spcPts val="0"/>
+              </a:spcBef>
+              <a:spcAft>
+                <a:spcPts val="0"/>
+              </a:spcAft>
+              <a:buFont typeface="+mj-lt"/>
+              <a:buAutoNum type="arabicPeriod"/>
+            </a:pPr>
+            <a:endParaRPr lang="en-US" sz="1800" dirty="0">
+              <a:effectLst/>
+              <a:latin typeface="Arial" panose="020B0604020202020204" pitchFamily="34" charset="0"/>
+              <a:ea typeface="Arial" panose="020B0604020202020204" pitchFamily="34" charset="0"/>
+            </a:endParaRPr>
+          </a:p>
+          <a:p>
+            <a:pPr marL="342900" marR="0" lvl="0" indent="-342900" algn="just" rtl="0">
+              <a:lnSpc>
+                <a:spcPct val="115000"/>
+              </a:lnSpc>
+              <a:spcBef>
+                <a:spcPts val="0"/>
+              </a:spcBef>
+              <a:spcAft>
+                <a:spcPts val="0"/>
+              </a:spcAft>
+              <a:buFont typeface="+mj-lt"/>
+              <a:buAutoNum type="arabicPeriod"/>
+            </a:pPr>
+            <a:endParaRPr lang="en-US" dirty="0">
+              <a:latin typeface="Arial" panose="020B0604020202020204" pitchFamily="34" charset="0"/>
+              <a:ea typeface="Arial" panose="020B0604020202020204" pitchFamily="34" charset="0"/>
+            </a:endParaRPr>
+          </a:p>
+          <a:p>
+            <a:pPr marR="0" lvl="0" algn="just" rtl="0">
+              <a:lnSpc>
+                <a:spcPct val="115000"/>
+              </a:lnSpc>
+              <a:spcBef>
+                <a:spcPts val="0"/>
+              </a:spcBef>
+              <a:spcAft>
+                <a:spcPts val="0"/>
+              </a:spcAft>
+            </a:pPr>
+            <a:r>
+              <a:rPr lang="en-US" sz="1800" dirty="0">
+                <a:effectLst/>
+                <a:latin typeface="Arial" panose="020B0604020202020204" pitchFamily="34" charset="0"/>
+                <a:ea typeface="Arial" panose="020B0604020202020204" pitchFamily="34" charset="0"/>
+              </a:rPr>
+              <a:t>                         </a:t>
+            </a:r>
+          </a:p>
+          <a:p>
+            <a:pPr marR="0" lvl="0" algn="just" rtl="0">
+              <a:lnSpc>
+                <a:spcPct val="115000"/>
+              </a:lnSpc>
+              <a:spcBef>
+                <a:spcPts val="0"/>
+              </a:spcBef>
+              <a:spcAft>
+                <a:spcPts val="0"/>
+              </a:spcAft>
+            </a:pPr>
+            <a:endParaRPr lang="en-US" sz="1800" dirty="0">
+              <a:effectLst/>
+              <a:latin typeface="Arial" panose="020B0604020202020204" pitchFamily="34" charset="0"/>
+              <a:ea typeface="Arial" panose="020B0604020202020204" pitchFamily="34" charset="0"/>
+            </a:endParaRPr>
+          </a:p>
+          <a:p>
+            <a:pPr marR="0" lvl="0" algn="just" rtl="0">
+              <a:lnSpc>
+                <a:spcPct val="115000"/>
+              </a:lnSpc>
+              <a:spcBef>
+                <a:spcPts val="0"/>
+              </a:spcBef>
+              <a:spcAft>
+                <a:spcPts val="0"/>
+              </a:spcAft>
+            </a:pPr>
+            <a:r>
+              <a:rPr lang="en-US" sz="1800" dirty="0">
+                <a:effectLst/>
+                <a:latin typeface="Arial" panose="020B0604020202020204" pitchFamily="34" charset="0"/>
+                <a:ea typeface="Arial" panose="020B0604020202020204" pitchFamily="34" charset="0"/>
+              </a:rPr>
+              <a:t> 2. The x-axis ranging between 0 and 100</a:t>
             </a:r>
             <a:r>
               <a:rPr lang="en-US" dirty="0">
@@ -6719,6 +7188,42 @@
           </a:p>
         </p:txBody>
       </p:sp>
+      <p:pic>
+        <p:nvPicPr>
+          <p:cNvPr id="4" name="Picture 3" descr="A group of graphs with lines&#10;&#10;Description automatically generated">
+            <a:extLst>
+              <a:ext uri="{FF2B5EF4-FFF2-40B4-BE49-F238E27FC236}">
+                <a16:creationId xmlns:a16="http://schemas.microsoft.com/office/drawing/2014/main" id="{59469A69-12B9-7116-4F90-BC9C9E2D8A1A}"/>
+              </a:ext>
+            </a:extLst>
+          </p:cNvPr>
+          <p:cNvPicPr>
+            <a:picLocks noChangeAspect="1"/>
+          </p:cNvPicPr>
+          <p:nvPr/>
+        </p:nvPicPr>
+        <p:blipFill>
+          <a:blip r:embed="rId2">
+            <a:extLst>
+              <a:ext uri="{28A0092B-C50C-407E-A947-70E740481C1C}">
+                <a14:useLocalDpi xmlns:a14="http://schemas.microsoft.com/office/drawing/2010/main" val="0"/>
+              </a:ext>
+            </a:extLst>
+          </a:blip>
+          <a:stretch>
+            <a:fillRect/>
+          </a:stretch>
+        </p:blipFill>
+        <p:spPr>
+          <a:xfrm>
+            <a:off x="5243332" y="1847913"/>
+            <a:ext cx="6816904" cy="4672556"/>
+          </a:xfrm>
+          <a:prstGeom prst="rect">
+            <a:avLst/>
+          </a:prstGeom>
+        </p:spPr>
+      </p:pic>
     </p:spTree>
     <p:extLst>
       <p:ext uri="{BB962C8B-B14F-4D97-AF65-F5344CB8AC3E}">
@@ -6863,7 +7368,13 @@
               <a:rPr lang="en-US" sz="1800" dirty="0">
                 <a:latin typeface="Arial" panose="020B0604020202020204" pitchFamily="34" charset="0"/>
               </a:rPr>
-              <a:t>Self-Calculated Value: 8.85e-08</a:t>
+              <a:t>Self-Calculated Value: </a:t>
+            </a:r>
+            <a:r>
+              <a:rPr lang="en-US" sz="1800" b="1" dirty="0">
+                <a:latin typeface="Arial" panose="020B0604020202020204" pitchFamily="34" charset="0"/>
+              </a:rPr>
+              <a:t>8.85e-08</a:t>
             </a:r>
           </a:p>
           <a:p>
@@ -6874,7 +7385,13 @@
               <a:rPr lang="en-US" sz="1800" dirty="0">
                 <a:latin typeface="Arial" panose="020B0604020202020204" pitchFamily="34" charset="0"/>
               </a:rPr>
-              <a:t>Distribution-Calculated Value: 3.103e-07 </a:t>
+              <a:t>Distribution-Calculated Value: </a:t>
+            </a:r>
+            <a:r>
+              <a:rPr lang="en-US" sz="1800" b="1" dirty="0">
+                <a:latin typeface="Arial" panose="020B0604020202020204" pitchFamily="34" charset="0"/>
+              </a:rPr>
+              <a:t>3.103e-07 </a:t>
             </a:r>
           </a:p>
           <a:p>
@@ -7057,7 +7574,13 @@
               <a:rPr lang="en-US" dirty="0">
                 <a:latin typeface="Arial" panose="020B0604020202020204" pitchFamily="34" charset="0"/>
               </a:rPr>
-              <a:t>Probability of reaction time greater than 0.4 seconds, given cloudy weather: 0.612</a:t>
+              <a:t>Probability of reaction time greater than 0.4 seconds, given cloudy weather: </a:t>
+            </a:r>
+            <a:r>
+              <a:rPr lang="en-US" b="1" dirty="0">
+                <a:latin typeface="Arial" panose="020B0604020202020204" pitchFamily="34" charset="0"/>
+              </a:rPr>
+              <a:t>0.612</a:t>
             </a:r>
           </a:p>
           <a:p>
@@ -7138,7 +7661,13 @@
               <a:rPr lang="en-US" dirty="0">
                 <a:latin typeface="Arial" panose="020B0604020202020204" pitchFamily="34" charset="0"/>
               </a:rPr>
-              <a:t>Probability of reaction time greater than 0.7 seconds, given clear weather: 0.385</a:t>
+              <a:t>Probability of reaction time greater than 0.7 seconds, given clear weather: </a:t>
+            </a:r>
+            <a:r>
+              <a:rPr lang="en-US" b="1" dirty="0">
+                <a:latin typeface="Arial" panose="020B0604020202020204" pitchFamily="34" charset="0"/>
+              </a:rPr>
+              <a:t>0.385</a:t>
             </a:r>
           </a:p>
           <a:p>
@@ -7407,7 +7936,13 @@
               <a:rPr lang="en-US" dirty="0">
                 <a:latin typeface="Arial" panose="020B0604020202020204" pitchFamily="34" charset="0"/>
               </a:rPr>
-              <a:t>Probability of an accident: 0.00335</a:t>
+              <a:t>Probability of an accident: </a:t>
+            </a:r>
+            <a:r>
+              <a:rPr lang="en-US" b="1" dirty="0">
+                <a:latin typeface="Arial" panose="020B0604020202020204" pitchFamily="34" charset="0"/>
+              </a:rPr>
+              <a:t>0.00335</a:t>
             </a:r>
           </a:p>
           <a:p>
